--- a/Group 12 Phase3 presentation .pptx
+++ b/Group 12 Phase3 presentation .pptx
@@ -1141,6 +1141,13 @@
         </dgm:presLayoutVars>
       </dgm:prSet>
       <dgm:spPr/>
+      <dgm:t>
+        <a:bodyPr/>
+        <a:lstStyle/>
+        <a:p>
+          <a:endParaRPr lang="en-US"/>
+        </a:p>
+      </dgm:t>
     </dgm:pt>
     <dgm:pt modelId="{5A578934-3626-4C17-BC69-1FCE40C77072}" type="pres">
       <dgm:prSet presAssocID="{056B72B2-577C-47D3-AEC0-087DEABDB156}" presName="parentText" presStyleLbl="node1" presStyleIdx="0" presStyleCnt="5">
@@ -1150,6 +1157,13 @@
         </dgm:presLayoutVars>
       </dgm:prSet>
       <dgm:spPr/>
+      <dgm:t>
+        <a:bodyPr/>
+        <a:lstStyle/>
+        <a:p>
+          <a:endParaRPr lang="en-US"/>
+        </a:p>
+      </dgm:t>
     </dgm:pt>
     <dgm:pt modelId="{00CC9FC5-6C5F-4DF7-9B35-8AFE4314530D}" type="pres">
       <dgm:prSet presAssocID="{F9A141AB-7A42-4D09-B97B-B1B665307186}" presName="spacer" presStyleCnt="0"/>
@@ -1163,6 +1177,13 @@
         </dgm:presLayoutVars>
       </dgm:prSet>
       <dgm:spPr/>
+      <dgm:t>
+        <a:bodyPr/>
+        <a:lstStyle/>
+        <a:p>
+          <a:endParaRPr lang="en-US"/>
+        </a:p>
+      </dgm:t>
     </dgm:pt>
     <dgm:pt modelId="{8C503562-312B-4808-834D-FD2B6407EEE1}" type="pres">
       <dgm:prSet presAssocID="{2B70F96C-8454-46AB-BD12-F247E7545E05}" presName="spacer" presStyleCnt="0"/>
@@ -1176,6 +1197,13 @@
         </dgm:presLayoutVars>
       </dgm:prSet>
       <dgm:spPr/>
+      <dgm:t>
+        <a:bodyPr/>
+        <a:lstStyle/>
+        <a:p>
+          <a:endParaRPr lang="en-US"/>
+        </a:p>
+      </dgm:t>
     </dgm:pt>
     <dgm:pt modelId="{0F95592A-393D-4FD8-B34B-642286CBEFF5}" type="pres">
       <dgm:prSet presAssocID="{2C12F1AB-3E25-4A1A-AC86-4798DF51439E}" presName="spacer" presStyleCnt="0"/>
@@ -1189,6 +1217,13 @@
         </dgm:presLayoutVars>
       </dgm:prSet>
       <dgm:spPr/>
+      <dgm:t>
+        <a:bodyPr/>
+        <a:lstStyle/>
+        <a:p>
+          <a:endParaRPr lang="en-US"/>
+        </a:p>
+      </dgm:t>
     </dgm:pt>
     <dgm:pt modelId="{49CD2202-2764-4FFA-BF68-7C87F22B5097}" type="pres">
       <dgm:prSet presAssocID="{A5C7CFEE-C2C7-4B3B-9ED4-80C9BD6086D6}" presName="spacer" presStyleCnt="0"/>
@@ -1202,20 +1237,27 @@
         </dgm:presLayoutVars>
       </dgm:prSet>
       <dgm:spPr/>
+      <dgm:t>
+        <a:bodyPr/>
+        <a:lstStyle/>
+        <a:p>
+          <a:endParaRPr lang="en-US"/>
+        </a:p>
+      </dgm:t>
     </dgm:pt>
   </dgm:ptLst>
   <dgm:cxnLst>
-    <dgm:cxn modelId="{25456C18-D000-4521-A082-7BDE48471A57}" type="presOf" srcId="{E7B8307B-F7DF-4E82-91A3-031085699A53}" destId="{63087B92-369F-4B0C-BFEC-8A3F1F408070}" srcOrd="0" destOrd="0" presId="urn:microsoft.com/office/officeart/2005/8/layout/vList2"/>
+    <dgm:cxn modelId="{C64571BE-0E8B-4962-8141-336A4AC8E8D3}" type="presOf" srcId="{FAC07532-63F7-45BC-ADDB-7A25DABB4FA7}" destId="{DD367348-3F4B-4AEF-8625-22A80A6834A6}" srcOrd="0" destOrd="0" presId="urn:microsoft.com/office/officeart/2005/8/layout/vList2"/>
     <dgm:cxn modelId="{05E60F1D-A9B7-4CE7-A753-1AC4E690D7B2}" srcId="{FAC07532-63F7-45BC-ADDB-7A25DABB4FA7}" destId="{EE897373-3213-4DFF-8BFD-07D00DF0C007}" srcOrd="3" destOrd="0" parTransId="{23AC1230-C3CB-4AC8-AFC6-796F121216BE}" sibTransId="{A5C7CFEE-C2C7-4B3B-9ED4-80C9BD6086D6}"/>
     <dgm:cxn modelId="{E68FA25D-D229-41DE-9925-B7970DE6944C}" srcId="{FAC07532-63F7-45BC-ADDB-7A25DABB4FA7}" destId="{25C897CC-7A7D-41C5-A1A4-6E475A78F9C2}" srcOrd="1" destOrd="0" parTransId="{3036376D-6243-42D6-A6CA-D65A311E101A}" sibTransId="{2B70F96C-8454-46AB-BD12-F247E7545E05}"/>
+    <dgm:cxn modelId="{25456C18-D000-4521-A082-7BDE48471A57}" type="presOf" srcId="{E7B8307B-F7DF-4E82-91A3-031085699A53}" destId="{63087B92-369F-4B0C-BFEC-8A3F1F408070}" srcOrd="0" destOrd="0" presId="urn:microsoft.com/office/officeart/2005/8/layout/vList2"/>
+    <dgm:cxn modelId="{F5442FA8-5206-41A3-AA17-54B385B8B907}" srcId="{FAC07532-63F7-45BC-ADDB-7A25DABB4FA7}" destId="{E7B8307B-F7DF-4E82-91A3-031085699A53}" srcOrd="4" destOrd="0" parTransId="{462FCCDB-3345-491B-8EDD-8A5408603D8C}" sibTransId="{E514890B-0876-4F11-8F4D-264DC9D8E118}"/>
+    <dgm:cxn modelId="{85211674-130E-4FC5-8468-37D76651D88B}" type="presOf" srcId="{056B72B2-577C-47D3-AEC0-087DEABDB156}" destId="{5A578934-3626-4C17-BC69-1FCE40C77072}" srcOrd="0" destOrd="0" presId="urn:microsoft.com/office/officeart/2005/8/layout/vList2"/>
+    <dgm:cxn modelId="{C2E7B298-E887-4FDF-B449-3DF7F7D461A5}" type="presOf" srcId="{F7355214-5C32-4D73-B80F-514E4C978F2F}" destId="{10C64F80-AB16-47A8-9501-12CB8947BBFD}" srcOrd="0" destOrd="0" presId="urn:microsoft.com/office/officeart/2005/8/layout/vList2"/>
+    <dgm:cxn modelId="{7AC73B92-93E1-4C91-A261-4D053F7D8803}" type="presOf" srcId="{25C897CC-7A7D-41C5-A1A4-6E475A78F9C2}" destId="{17D7770E-B1C9-491D-A9B3-BBDE7F0918B5}" srcOrd="0" destOrd="0" presId="urn:microsoft.com/office/officeart/2005/8/layout/vList2"/>
+    <dgm:cxn modelId="{56664959-A085-41A1-B232-6D1C6D00D7BF}" srcId="{FAC07532-63F7-45BC-ADDB-7A25DABB4FA7}" destId="{056B72B2-577C-47D3-AEC0-087DEABDB156}" srcOrd="0" destOrd="0" parTransId="{5DE53B44-7EDE-4E02-ACFF-588E4B9CBD14}" sibTransId="{F9A141AB-7A42-4D09-B97B-B1B665307186}"/>
     <dgm:cxn modelId="{CF8B6C6F-2B6E-49DC-AC8A-2142F9E458E5}" type="presOf" srcId="{EE897373-3213-4DFF-8BFD-07D00DF0C007}" destId="{CE6BB458-61E1-44E8-9F3E-1AD8F7FC92A3}" srcOrd="0" destOrd="0" presId="urn:microsoft.com/office/officeart/2005/8/layout/vList2"/>
-    <dgm:cxn modelId="{85211674-130E-4FC5-8468-37D76651D88B}" type="presOf" srcId="{056B72B2-577C-47D3-AEC0-087DEABDB156}" destId="{5A578934-3626-4C17-BC69-1FCE40C77072}" srcOrd="0" destOrd="0" presId="urn:microsoft.com/office/officeart/2005/8/layout/vList2"/>
-    <dgm:cxn modelId="{56664959-A085-41A1-B232-6D1C6D00D7BF}" srcId="{FAC07532-63F7-45BC-ADDB-7A25DABB4FA7}" destId="{056B72B2-577C-47D3-AEC0-087DEABDB156}" srcOrd="0" destOrd="0" parTransId="{5DE53B44-7EDE-4E02-ACFF-588E4B9CBD14}" sibTransId="{F9A141AB-7A42-4D09-B97B-B1B665307186}"/>
-    <dgm:cxn modelId="{7AC73B92-93E1-4C91-A261-4D053F7D8803}" type="presOf" srcId="{25C897CC-7A7D-41C5-A1A4-6E475A78F9C2}" destId="{17D7770E-B1C9-491D-A9B3-BBDE7F0918B5}" srcOrd="0" destOrd="0" presId="urn:microsoft.com/office/officeart/2005/8/layout/vList2"/>
-    <dgm:cxn modelId="{C2E7B298-E887-4FDF-B449-3DF7F7D461A5}" type="presOf" srcId="{F7355214-5C32-4D73-B80F-514E4C978F2F}" destId="{10C64F80-AB16-47A8-9501-12CB8947BBFD}" srcOrd="0" destOrd="0" presId="urn:microsoft.com/office/officeart/2005/8/layout/vList2"/>
-    <dgm:cxn modelId="{F5442FA8-5206-41A3-AA17-54B385B8B907}" srcId="{FAC07532-63F7-45BC-ADDB-7A25DABB4FA7}" destId="{E7B8307B-F7DF-4E82-91A3-031085699A53}" srcOrd="4" destOrd="0" parTransId="{462FCCDB-3345-491B-8EDD-8A5408603D8C}" sibTransId="{E514890B-0876-4F11-8F4D-264DC9D8E118}"/>
     <dgm:cxn modelId="{5FDA85B8-A68C-468D-A4F3-9CB69838A4FD}" srcId="{FAC07532-63F7-45BC-ADDB-7A25DABB4FA7}" destId="{F7355214-5C32-4D73-B80F-514E4C978F2F}" srcOrd="2" destOrd="0" parTransId="{6ECF59D6-3150-455B-A2E0-294FF95DBEBA}" sibTransId="{2C12F1AB-3E25-4A1A-AC86-4798DF51439E}"/>
-    <dgm:cxn modelId="{C64571BE-0E8B-4962-8141-336A4AC8E8D3}" type="presOf" srcId="{FAC07532-63F7-45BC-ADDB-7A25DABB4FA7}" destId="{DD367348-3F4B-4AEF-8625-22A80A6834A6}" srcOrd="0" destOrd="0" presId="urn:microsoft.com/office/officeart/2005/8/layout/vList2"/>
     <dgm:cxn modelId="{81DA41D6-9F99-4ED8-BBC1-8079CBB2FFB7}" type="presParOf" srcId="{DD367348-3F4B-4AEF-8625-22A80A6834A6}" destId="{5A578934-3626-4C17-BC69-1FCE40C77072}" srcOrd="0" destOrd="0" presId="urn:microsoft.com/office/officeart/2005/8/layout/vList2"/>
     <dgm:cxn modelId="{D87BCE4F-6060-4592-8223-D038E8F6D8CF}" type="presParOf" srcId="{DD367348-3F4B-4AEF-8625-22A80A6834A6}" destId="{00CC9FC5-6C5F-4DF7-9B35-8AFE4314530D}" srcOrd="1" destOrd="0" presId="urn:microsoft.com/office/officeart/2005/8/layout/vList2"/>
     <dgm:cxn modelId="{12A53376-1157-4E73-8F00-E5572CA6CA10}" type="presParOf" srcId="{DD367348-3F4B-4AEF-8625-22A80A6834A6}" destId="{17D7770E-B1C9-491D-A9B3-BBDE7F0918B5}" srcOrd="2" destOrd="0" presId="urn:microsoft.com/office/officeart/2005/8/layout/vList2"/>
@@ -1299,7 +1341,7 @@
         </a:bodyPr>
         <a:lstStyle/>
         <a:p>
-          <a:pPr marL="0" lvl="0" indent="0" algn="l" defTabSz="1555750">
+          <a:pPr lvl="0" algn="l" defTabSz="1555750">
             <a:lnSpc>
               <a:spcPct val="100000"/>
             </a:lnSpc>
@@ -1309,7 +1351,6 @@
             <a:spcAft>
               <a:spcPct val="35000"/>
             </a:spcAft>
-            <a:buNone/>
           </a:pPr>
           <a:r>
             <a:rPr lang="en-US" sz="3500" kern="1200" dirty="0">
@@ -1381,7 +1422,7 @@
         </a:bodyPr>
         <a:lstStyle/>
         <a:p>
-          <a:pPr marL="0" lvl="0" indent="0" algn="l" defTabSz="1555750">
+          <a:pPr lvl="0" algn="l" defTabSz="1555750">
             <a:lnSpc>
               <a:spcPct val="100000"/>
             </a:lnSpc>
@@ -1391,7 +1432,6 @@
             <a:spcAft>
               <a:spcPct val="35000"/>
             </a:spcAft>
-            <a:buNone/>
           </a:pPr>
           <a:r>
             <a:rPr lang="en-US" sz="3500" kern="1200" dirty="0">
@@ -1463,7 +1503,7 @@
         </a:bodyPr>
         <a:lstStyle/>
         <a:p>
-          <a:pPr marL="0" lvl="0" indent="0" algn="l" defTabSz="1555750">
+          <a:pPr lvl="0" algn="l" defTabSz="1555750">
             <a:lnSpc>
               <a:spcPct val="100000"/>
             </a:lnSpc>
@@ -1473,7 +1513,6 @@
             <a:spcAft>
               <a:spcPct val="35000"/>
             </a:spcAft>
-            <a:buNone/>
           </a:pPr>
           <a:r>
             <a:rPr lang="en-US" sz="3500" kern="1200" dirty="0"/>
@@ -1541,7 +1580,7 @@
         </a:bodyPr>
         <a:lstStyle/>
         <a:p>
-          <a:pPr marL="0" lvl="0" indent="0" algn="l" defTabSz="1555750">
+          <a:pPr lvl="0" algn="l" defTabSz="1555750">
             <a:lnSpc>
               <a:spcPct val="100000"/>
             </a:lnSpc>
@@ -1551,7 +1590,6 @@
             <a:spcAft>
               <a:spcPct val="35000"/>
             </a:spcAft>
-            <a:buNone/>
           </a:pPr>
           <a:r>
             <a:rPr lang="en-US" sz="3500" kern="1200" dirty="0"/>
@@ -1619,7 +1657,7 @@
         </a:bodyPr>
         <a:lstStyle/>
         <a:p>
-          <a:pPr marL="0" lvl="0" indent="0" algn="l" defTabSz="1555750">
+          <a:pPr lvl="0" algn="l" defTabSz="1555750">
             <a:lnSpc>
               <a:spcPct val="100000"/>
             </a:lnSpc>
@@ -1629,7 +1667,6 @@
             <a:spcAft>
               <a:spcPct val="35000"/>
             </a:spcAft>
-            <a:buNone/>
           </a:pPr>
           <a:r>
             <a:rPr lang="en-US" sz="3500" kern="1200"/>
@@ -3018,7 +3055,7 @@
           <a:p>
             <a:fld id="{6341423D-42AC-4B96-8549-F0957C407BD8}" type="datetimeFigureOut">
               <a:rPr lang="en-KE" smtClean="0"/>
-              <a:t>13/02/2024</a:t>
+              <a:t>02/14/2024</a:t>
             </a:fld>
             <a:endParaRPr lang="en-KE"/>
           </a:p>
@@ -3333,7 +3370,7 @@
           <a:p>
             <a:fld id="{6341423D-42AC-4B96-8549-F0957C407BD8}" type="datetimeFigureOut">
               <a:rPr lang="en-KE" smtClean="0"/>
-              <a:t>13/02/2024</a:t>
+              <a:t>02/14/2024</a:t>
             </a:fld>
             <a:endParaRPr lang="en-KE"/>
           </a:p>
@@ -3555,7 +3592,7 @@
           <a:p>
             <a:fld id="{6341423D-42AC-4B96-8549-F0957C407BD8}" type="datetimeFigureOut">
               <a:rPr lang="en-KE" smtClean="0"/>
-              <a:t>13/02/2024</a:t>
+              <a:t>02/14/2024</a:t>
             </a:fld>
             <a:endParaRPr lang="en-KE"/>
           </a:p>
@@ -3846,7 +3883,7 @@
           <a:p>
             <a:fld id="{6341423D-42AC-4B96-8549-F0957C407BD8}" type="datetimeFigureOut">
               <a:rPr lang="en-KE" smtClean="0"/>
-              <a:t>13/02/2024</a:t>
+              <a:t>02/14/2024</a:t>
             </a:fld>
             <a:endParaRPr lang="en-KE"/>
           </a:p>
@@ -4300,7 +4337,7 @@
           <a:p>
             <a:fld id="{6341423D-42AC-4B96-8549-F0957C407BD8}" type="datetimeFigureOut">
               <a:rPr lang="en-KE" smtClean="0"/>
-              <a:t>13/02/2024</a:t>
+              <a:t>02/14/2024</a:t>
             </a:fld>
             <a:endParaRPr lang="en-KE"/>
           </a:p>
@@ -4876,7 +4913,7 @@
           <a:p>
             <a:fld id="{6341423D-42AC-4B96-8549-F0957C407BD8}" type="datetimeFigureOut">
               <a:rPr lang="en-KE" smtClean="0"/>
-              <a:t>13/02/2024</a:t>
+              <a:t>02/14/2024</a:t>
             </a:fld>
             <a:endParaRPr lang="en-KE"/>
           </a:p>
@@ -5737,7 +5774,7 @@
           <a:p>
             <a:fld id="{6341423D-42AC-4B96-8549-F0957C407BD8}" type="datetimeFigureOut">
               <a:rPr lang="en-KE" smtClean="0"/>
-              <a:t>13/02/2024</a:t>
+              <a:t>02/14/2024</a:t>
             </a:fld>
             <a:endParaRPr lang="en-KE"/>
           </a:p>
@@ -5942,7 +5979,7 @@
           <a:p>
             <a:fld id="{6341423D-42AC-4B96-8549-F0957C407BD8}" type="datetimeFigureOut">
               <a:rPr lang="en-KE" smtClean="0"/>
-              <a:t>13/02/2024</a:t>
+              <a:t>02/14/2024</a:t>
             </a:fld>
             <a:endParaRPr lang="en-KE"/>
           </a:p>
@@ -6156,7 +6193,7 @@
           <a:p>
             <a:fld id="{6341423D-42AC-4B96-8549-F0957C407BD8}" type="datetimeFigureOut">
               <a:rPr lang="en-KE" smtClean="0"/>
-              <a:t>13/02/2024</a:t>
+              <a:t>02/14/2024</a:t>
             </a:fld>
             <a:endParaRPr lang="en-KE"/>
           </a:p>
@@ -6326,7 +6363,7 @@
           <a:p>
             <a:fld id="{6341423D-42AC-4B96-8549-F0957C407BD8}" type="datetimeFigureOut">
               <a:rPr lang="en-KE" smtClean="0"/>
-              <a:t>13/02/2024</a:t>
+              <a:t>02/14/2024</a:t>
             </a:fld>
             <a:endParaRPr lang="en-KE"/>
           </a:p>
@@ -6531,7 +6568,7 @@
           <a:p>
             <a:fld id="{6341423D-42AC-4B96-8549-F0957C407BD8}" type="datetimeFigureOut">
               <a:rPr lang="en-KE" smtClean="0"/>
-              <a:t>13/02/2024</a:t>
+              <a:t>02/14/2024</a:t>
             </a:fld>
             <a:endParaRPr lang="en-KE"/>
           </a:p>
@@ -6811,7 +6848,7 @@
           <a:p>
             <a:fld id="{6341423D-42AC-4B96-8549-F0957C407BD8}" type="datetimeFigureOut">
               <a:rPr lang="en-KE" smtClean="0"/>
-              <a:t>13/02/2024</a:t>
+              <a:t>02/14/2024</a:t>
             </a:fld>
             <a:endParaRPr lang="en-KE"/>
           </a:p>
@@ -7078,7 +7115,7 @@
           <a:p>
             <a:fld id="{6341423D-42AC-4B96-8549-F0957C407BD8}" type="datetimeFigureOut">
               <a:rPr lang="en-KE" smtClean="0"/>
-              <a:t>13/02/2024</a:t>
+              <a:t>02/14/2024</a:t>
             </a:fld>
             <a:endParaRPr lang="en-KE"/>
           </a:p>
@@ -7493,7 +7530,7 @@
           <a:p>
             <a:fld id="{6341423D-42AC-4B96-8549-F0957C407BD8}" type="datetimeFigureOut">
               <a:rPr lang="en-KE" smtClean="0"/>
-              <a:t>13/02/2024</a:t>
+              <a:t>02/14/2024</a:t>
             </a:fld>
             <a:endParaRPr lang="en-KE"/>
           </a:p>
@@ -7641,7 +7678,7 @@
           <a:p>
             <a:fld id="{6341423D-42AC-4B96-8549-F0957C407BD8}" type="datetimeFigureOut">
               <a:rPr lang="en-KE" smtClean="0"/>
-              <a:t>13/02/2024</a:t>
+              <a:t>02/14/2024</a:t>
             </a:fld>
             <a:endParaRPr lang="en-KE"/>
           </a:p>
@@ -7766,7 +7803,7 @@
           <a:p>
             <a:fld id="{6341423D-42AC-4B96-8549-F0957C407BD8}" type="datetimeFigureOut">
               <a:rPr lang="en-KE" smtClean="0"/>
-              <a:t>13/02/2024</a:t>
+              <a:t>02/14/2024</a:t>
             </a:fld>
             <a:endParaRPr lang="en-KE"/>
           </a:p>
@@ -8045,7 +8082,7 @@
           <a:p>
             <a:fld id="{6341423D-42AC-4B96-8549-F0957C407BD8}" type="datetimeFigureOut">
               <a:rPr lang="en-KE" smtClean="0"/>
-              <a:t>13/02/2024</a:t>
+              <a:t>02/14/2024</a:t>
             </a:fld>
             <a:endParaRPr lang="en-KE"/>
           </a:p>
@@ -8360,7 +8397,7 @@
           <a:p>
             <a:fld id="{6341423D-42AC-4B96-8549-F0957C407BD8}" type="datetimeFigureOut">
               <a:rPr lang="en-KE" smtClean="0"/>
-              <a:t>13/02/2024</a:t>
+              <a:t>02/14/2024</a:t>
             </a:fld>
             <a:endParaRPr lang="en-KE"/>
           </a:p>
@@ -8613,7 +8650,7 @@
           <a:p>
             <a:fld id="{6341423D-42AC-4B96-8549-F0957C407BD8}" type="datetimeFigureOut">
               <a:rPr lang="en-KE" smtClean="0"/>
-              <a:t>13/02/2024</a:t>
+              <a:t>02/14/2024</a:t>
             </a:fld>
             <a:endParaRPr lang="en-KE"/>
           </a:p>
@@ -9086,24 +9123,52 @@
           </a:bodyPr>
           <a:lstStyle/>
           <a:p>
+            <a:r>
+              <a:rPr lang="en-US" sz="2500" b="1" dirty="0"/>
+              <a:t/>
+            </a:r>
             <a:br>
               <a:rPr lang="en-US" sz="2500" b="1" dirty="0"/>
             </a:br>
+            <a:r>
+              <a:rPr lang="en-US" sz="2500" b="1" dirty="0"/>
+              <a:t/>
+            </a:r>
             <a:br>
               <a:rPr lang="en-US" sz="2500" b="1" dirty="0"/>
             </a:br>
+            <a:r>
+              <a:rPr lang="en-US" sz="2500" b="1" dirty="0"/>
+              <a:t/>
+            </a:r>
             <a:br>
               <a:rPr lang="en-US" sz="2500" b="1" dirty="0"/>
             </a:br>
+            <a:r>
+              <a:rPr lang="en-US" sz="2500" b="1" dirty="0"/>
+              <a:t/>
+            </a:r>
             <a:br>
               <a:rPr lang="en-US" sz="2500" b="1" dirty="0"/>
             </a:br>
+            <a:r>
+              <a:rPr lang="en-US" sz="2500" b="1" dirty="0"/>
+              <a:t/>
+            </a:r>
             <a:br>
               <a:rPr lang="en-US" sz="2500" b="1" dirty="0"/>
             </a:br>
             <a:r>
               <a:rPr lang="en-US" sz="4000" b="1" dirty="0"/>
               <a:t>GROUP 12 MEMBERS:</a:t>
+            </a:r>
+            <a:r>
+              <a:rPr lang="en-KE" sz="2500" b="1" dirty="0">
+                <a:solidFill>
+                  <a:schemeClr val="tx2"/>
+                </a:solidFill>
+              </a:rPr>
+              <a:t/>
             </a:r>
             <a:br>
               <a:rPr lang="en-KE" sz="2500" b="1" dirty="0">
@@ -11071,15 +11136,31 @@
           </a:bodyPr>
           <a:lstStyle/>
           <a:p>
+            <a:r>
+              <a:rPr lang="en-US" sz="2500" b="1" dirty="0"/>
+              <a:t/>
+            </a:r>
             <a:br>
               <a:rPr lang="en-US" sz="2500" b="1" dirty="0"/>
             </a:br>
+            <a:r>
+              <a:rPr lang="en-US" sz="2500" b="1" dirty="0"/>
+              <a:t/>
+            </a:r>
             <a:br>
               <a:rPr lang="en-US" sz="2500" b="1" dirty="0"/>
             </a:br>
+            <a:r>
+              <a:rPr lang="en-US" sz="2500" b="1" dirty="0"/>
+              <a:t/>
+            </a:r>
             <a:br>
               <a:rPr lang="en-US" sz="2500" b="1" dirty="0"/>
             </a:br>
+            <a:r>
+              <a:rPr lang="en-US" sz="2500" b="1" dirty="0"/>
+              <a:t/>
+            </a:r>
             <a:br>
               <a:rPr lang="en-US" sz="2500" b="1" dirty="0"/>
             </a:br>
@@ -11504,7 +11585,23 @@
             <a:pPr algn="just"/>
             <a:r>
               <a:rPr lang="en-US" sz="2600" cap="none" dirty="0"/>
-              <a:t>By doing so, we aim to improve access to clean ad reliable water sources by identifying wells that are functional, non functional and those that need repair.</a:t>
+              <a:t>By doing so, we aim to improve access to clean </a:t>
+            </a:r>
+            <a:r>
+              <a:rPr lang="en-US" sz="2600" cap="none" dirty="0" smtClean="0"/>
+              <a:t>a</a:t>
+            </a:r>
+            <a:r>
+              <a:rPr lang="en-DE" sz="2600" cap="none" smtClean="0"/>
+              <a:t>n</a:t>
+            </a:r>
+            <a:r>
+              <a:rPr lang="en-US" sz="2600" cap="none" smtClean="0"/>
+              <a:t>d </a:t>
+            </a:r>
+            <a:r>
+              <a:rPr lang="en-US" sz="2600" cap="none" dirty="0"/>
+              <a:t>reliable water sources by identifying wells that are functional, non functional and those that need repair.</a:t>
             </a:r>
           </a:p>
           <a:p>
